--- a/figures/summary.pptx
+++ b/figures/summary.pptx
@@ -104,6 +104,11 @@
       </a:defRPr>
     </a:lvl9pPr>
   </p:defaultTextStyle>
+  <p:extLst>
+    <p:ext uri="{EFAFB233-063F-42B5-8137-9DF3F51BA10A}">
+      <p15:sldGuideLst xmlns:p15="http://schemas.microsoft.com/office/powerpoint/2012/main"/>
+    </p:ext>
+  </p:extLst>
 </p:presentation>
 </file>
 
@@ -238,7 +243,7 @@
           <a:p>
             <a:fld id="{E1F40B6C-BA70-40BB-ABCA-83B04D0185DE}" type="datetimeFigureOut">
               <a:rPr lang="en-GB" smtClean="0"/>
-              <a:t>11/11/2021</a:t>
+              <a:t>22/11/2021</a:t>
             </a:fld>
             <a:endParaRPr lang="en-GB"/>
           </a:p>
@@ -408,7 +413,7 @@
           <a:p>
             <a:fld id="{E1F40B6C-BA70-40BB-ABCA-83B04D0185DE}" type="datetimeFigureOut">
               <a:rPr lang="en-GB" smtClean="0"/>
-              <a:t>11/11/2021</a:t>
+              <a:t>22/11/2021</a:t>
             </a:fld>
             <a:endParaRPr lang="en-GB"/>
           </a:p>
@@ -588,7 +593,7 @@
           <a:p>
             <a:fld id="{E1F40B6C-BA70-40BB-ABCA-83B04D0185DE}" type="datetimeFigureOut">
               <a:rPr lang="en-GB" smtClean="0"/>
-              <a:t>11/11/2021</a:t>
+              <a:t>22/11/2021</a:t>
             </a:fld>
             <a:endParaRPr lang="en-GB"/>
           </a:p>
@@ -758,7 +763,7 @@
           <a:p>
             <a:fld id="{E1F40B6C-BA70-40BB-ABCA-83B04D0185DE}" type="datetimeFigureOut">
               <a:rPr lang="en-GB" smtClean="0"/>
-              <a:t>11/11/2021</a:t>
+              <a:t>22/11/2021</a:t>
             </a:fld>
             <a:endParaRPr lang="en-GB"/>
           </a:p>
@@ -1002,7 +1007,7 @@
           <a:p>
             <a:fld id="{E1F40B6C-BA70-40BB-ABCA-83B04D0185DE}" type="datetimeFigureOut">
               <a:rPr lang="en-GB" smtClean="0"/>
-              <a:t>11/11/2021</a:t>
+              <a:t>22/11/2021</a:t>
             </a:fld>
             <a:endParaRPr lang="en-GB"/>
           </a:p>
@@ -1234,7 +1239,7 @@
           <a:p>
             <a:fld id="{E1F40B6C-BA70-40BB-ABCA-83B04D0185DE}" type="datetimeFigureOut">
               <a:rPr lang="en-GB" smtClean="0"/>
-              <a:t>11/11/2021</a:t>
+              <a:t>22/11/2021</a:t>
             </a:fld>
             <a:endParaRPr lang="en-GB"/>
           </a:p>
@@ -1601,7 +1606,7 @@
           <a:p>
             <a:fld id="{E1F40B6C-BA70-40BB-ABCA-83B04D0185DE}" type="datetimeFigureOut">
               <a:rPr lang="en-GB" smtClean="0"/>
-              <a:t>11/11/2021</a:t>
+              <a:t>22/11/2021</a:t>
             </a:fld>
             <a:endParaRPr lang="en-GB"/>
           </a:p>
@@ -1719,7 +1724,7 @@
           <a:p>
             <a:fld id="{E1F40B6C-BA70-40BB-ABCA-83B04D0185DE}" type="datetimeFigureOut">
               <a:rPr lang="en-GB" smtClean="0"/>
-              <a:t>11/11/2021</a:t>
+              <a:t>22/11/2021</a:t>
             </a:fld>
             <a:endParaRPr lang="en-GB"/>
           </a:p>
@@ -1814,7 +1819,7 @@
           <a:p>
             <a:fld id="{E1F40B6C-BA70-40BB-ABCA-83B04D0185DE}" type="datetimeFigureOut">
               <a:rPr lang="en-GB" smtClean="0"/>
-              <a:t>11/11/2021</a:t>
+              <a:t>22/11/2021</a:t>
             </a:fld>
             <a:endParaRPr lang="en-GB"/>
           </a:p>
@@ -2091,7 +2096,7 @@
           <a:p>
             <a:fld id="{E1F40B6C-BA70-40BB-ABCA-83B04D0185DE}" type="datetimeFigureOut">
               <a:rPr lang="en-GB" smtClean="0"/>
-              <a:t>11/11/2021</a:t>
+              <a:t>22/11/2021</a:t>
             </a:fld>
             <a:endParaRPr lang="en-GB"/>
           </a:p>
@@ -2348,7 +2353,7 @@
           <a:p>
             <a:fld id="{E1F40B6C-BA70-40BB-ABCA-83B04D0185DE}" type="datetimeFigureOut">
               <a:rPr lang="en-GB" smtClean="0"/>
-              <a:t>11/11/2021</a:t>
+              <a:t>22/11/2021</a:t>
             </a:fld>
             <a:endParaRPr lang="en-GB"/>
           </a:p>
@@ -2561,7 +2566,7 @@
           <a:p>
             <a:fld id="{E1F40B6C-BA70-40BB-ABCA-83B04D0185DE}" type="datetimeFigureOut">
               <a:rPr lang="en-GB" smtClean="0"/>
-              <a:t>11/11/2021</a:t>
+              <a:t>22/11/2021</a:t>
             </a:fld>
             <a:endParaRPr lang="en-GB"/>
           </a:p>
@@ -4326,6 +4331,246 @@
           </a:fontRef>
         </p:style>
       </p:cxnSp>
+      <p:sp>
+        <p:nvSpPr>
+          <p:cNvPr id="32" name="Rectangle 31">
+            <a:extLst>
+              <a:ext uri="{FF2B5EF4-FFF2-40B4-BE49-F238E27FC236}">
+                <a16:creationId xmlns:a16="http://schemas.microsoft.com/office/drawing/2014/main" id="{2EAD7359-255A-4C62-BD9B-F30EDBF7A427}"/>
+              </a:ext>
+            </a:extLst>
+          </p:cNvPr>
+          <p:cNvSpPr/>
+          <p:nvPr/>
+        </p:nvSpPr>
+        <p:spPr>
+          <a:xfrm>
+            <a:off x="166930" y="3530643"/>
+            <a:ext cx="1946635" cy="848270"/>
+          </a:xfrm>
+          <a:prstGeom prst="rect">
+            <a:avLst/>
+          </a:prstGeom>
+          <a:noFill/>
+          <a:ln>
+            <a:noFill/>
+          </a:ln>
+        </p:spPr>
+        <p:style>
+          <a:lnRef idx="0">
+            <a:scrgbClr r="0" g="0" b="0"/>
+          </a:lnRef>
+          <a:fillRef idx="0">
+            <a:scrgbClr r="0" g="0" b="0"/>
+          </a:fillRef>
+          <a:effectRef idx="0">
+            <a:scrgbClr r="0" g="0" b="0"/>
+          </a:effectRef>
+          <a:fontRef idx="minor">
+            <a:schemeClr val="dk1"/>
+          </a:fontRef>
+        </p:style>
+        <p:txBody>
+          <a:bodyPr rtlCol="0" anchor="ctr"/>
+          <a:lstStyle/>
+          <a:p>
+            <a:pPr algn="ctr"/>
+            <a:r>
+              <a:rPr lang="fr-FR" sz="1200" b="1" dirty="0">
+                <a:solidFill>
+                  <a:schemeClr val="tx1"/>
+                </a:solidFill>
+              </a:rPr>
+              <a:t>Physio-feedback Condition</a:t>
+            </a:r>
+          </a:p>
+          <a:p>
+            <a:pPr algn="ctr"/>
+            <a:r>
+              <a:rPr lang="fr-FR" sz="1200" dirty="0">
+                <a:solidFill>
+                  <a:schemeClr val="tx1"/>
+                </a:solidFill>
+              </a:rPr>
+              <a:t>« </a:t>
+            </a:r>
+            <a:r>
+              <a:rPr lang="fr-FR" sz="1200" dirty="0" err="1">
+                <a:solidFill>
+                  <a:schemeClr val="tx1"/>
+                </a:solidFill>
+              </a:rPr>
+              <a:t>polygraph</a:t>
+            </a:r>
+            <a:r>
+              <a:rPr lang="fr-FR" sz="1200" dirty="0">
+                <a:solidFill>
+                  <a:schemeClr val="tx1"/>
+                </a:solidFill>
+              </a:rPr>
+              <a:t> »</a:t>
+            </a:r>
+          </a:p>
+          <a:p>
+            <a:r>
+              <a:rPr lang="fr-FR" sz="1200" b="1" i="1" dirty="0">
+                <a:solidFill>
+                  <a:schemeClr val="tx1"/>
+                </a:solidFill>
+              </a:rPr>
+              <a:t>+ </a:t>
+            </a:r>
+            <a:r>
+              <a:rPr lang="fr-FR" sz="1200" b="1" i="1" dirty="0" err="1">
+                <a:solidFill>
+                  <a:schemeClr val="tx1"/>
+                </a:solidFill>
+              </a:rPr>
+              <a:t>Interoception</a:t>
+            </a:r>
+            <a:endParaRPr lang="fr-FR" sz="1200" b="1" i="1" dirty="0">
+              <a:solidFill>
+                <a:schemeClr val="tx1"/>
+              </a:solidFill>
+            </a:endParaRPr>
+          </a:p>
+          <a:p>
+            <a:r>
+              <a:rPr lang="fr-FR" sz="1200" b="1" i="1" dirty="0">
+                <a:solidFill>
+                  <a:schemeClr val="tx1"/>
+                </a:solidFill>
+              </a:rPr>
+              <a:t>- </a:t>
+            </a:r>
+            <a:r>
+              <a:rPr lang="fr-FR" sz="1200" b="1" i="1" dirty="0" err="1">
+                <a:solidFill>
+                  <a:schemeClr val="tx1"/>
+                </a:solidFill>
+              </a:rPr>
+              <a:t>ToM</a:t>
+            </a:r>
+            <a:endParaRPr lang="en-GB" sz="1200" b="1" i="1" dirty="0">
+              <a:solidFill>
+                <a:schemeClr val="tx1"/>
+              </a:solidFill>
+            </a:endParaRPr>
+          </a:p>
+        </p:txBody>
+      </p:sp>
+      <p:sp>
+        <p:nvSpPr>
+          <p:cNvPr id="33" name="Rectangle 32">
+            <a:extLst>
+              <a:ext uri="{FF2B5EF4-FFF2-40B4-BE49-F238E27FC236}">
+                <a16:creationId xmlns:a16="http://schemas.microsoft.com/office/drawing/2014/main" id="{452333FA-B439-4824-B5F7-66F69D5D76C5}"/>
+              </a:ext>
+            </a:extLst>
+          </p:cNvPr>
+          <p:cNvSpPr/>
+          <p:nvPr/>
+        </p:nvSpPr>
+        <p:spPr>
+          <a:xfrm>
+            <a:off x="7027990" y="3530643"/>
+            <a:ext cx="1946635" cy="848270"/>
+          </a:xfrm>
+          <a:prstGeom prst="rect">
+            <a:avLst/>
+          </a:prstGeom>
+          <a:noFill/>
+          <a:ln>
+            <a:noFill/>
+          </a:ln>
+        </p:spPr>
+        <p:style>
+          <a:lnRef idx="0">
+            <a:scrgbClr r="0" g="0" b="0"/>
+          </a:lnRef>
+          <a:fillRef idx="0">
+            <a:scrgbClr r="0" g="0" b="0"/>
+          </a:fillRef>
+          <a:effectRef idx="0">
+            <a:scrgbClr r="0" g="0" b="0"/>
+          </a:effectRef>
+          <a:fontRef idx="minor">
+            <a:schemeClr val="dk1"/>
+          </a:fontRef>
+        </p:style>
+        <p:txBody>
+          <a:bodyPr rtlCol="0" anchor="ctr"/>
+          <a:lstStyle/>
+          <a:p>
+            <a:pPr algn="ctr"/>
+            <a:r>
+              <a:rPr lang="fr-FR" sz="1200" b="1" dirty="0">
+                <a:solidFill>
+                  <a:schemeClr val="tx1"/>
+                </a:solidFill>
+              </a:rPr>
+              <a:t>Social-feedback Condition</a:t>
+            </a:r>
+          </a:p>
+          <a:p>
+            <a:pPr algn="ctr"/>
+            <a:r>
+              <a:rPr lang="fr-FR" sz="1200" dirty="0">
+                <a:solidFill>
+                  <a:schemeClr val="tx1"/>
+                </a:solidFill>
+              </a:rPr>
+              <a:t>« interrogation »</a:t>
+            </a:r>
+          </a:p>
+          <a:p>
+            <a:r>
+              <a:rPr lang="fr-FR" sz="1200" b="1" i="1" dirty="0">
+                <a:solidFill>
+                  <a:schemeClr val="tx1"/>
+                </a:solidFill>
+              </a:rPr>
+              <a:t>+ </a:t>
+            </a:r>
+            <a:r>
+              <a:rPr lang="fr-FR" sz="1200" b="1" i="1" dirty="0" err="1">
+                <a:solidFill>
+                  <a:schemeClr val="tx1"/>
+                </a:solidFill>
+              </a:rPr>
+              <a:t>ToM</a:t>
+            </a:r>
+            <a:endParaRPr lang="en-GB" sz="1200" b="1" i="1" dirty="0">
+              <a:solidFill>
+                <a:schemeClr val="tx1"/>
+              </a:solidFill>
+            </a:endParaRPr>
+          </a:p>
+          <a:p>
+            <a:r>
+              <a:rPr lang="fr-FR" sz="1200" b="1" i="1" dirty="0">
+                <a:solidFill>
+                  <a:schemeClr val="tx1"/>
+                </a:solidFill>
+              </a:rPr>
+              <a:t>- </a:t>
+            </a:r>
+            <a:r>
+              <a:rPr lang="fr-FR" sz="1200" b="1" i="1" dirty="0" err="1">
+                <a:solidFill>
+                  <a:schemeClr val="tx1"/>
+                </a:solidFill>
+              </a:rPr>
+              <a:t>Interoception</a:t>
+            </a:r>
+            <a:endParaRPr lang="fr-FR" sz="1200" b="1" i="1" dirty="0">
+              <a:solidFill>
+                <a:schemeClr val="tx1"/>
+              </a:solidFill>
+            </a:endParaRPr>
+          </a:p>
+        </p:txBody>
+      </p:sp>
     </p:spTree>
     <p:extLst>
       <p:ext uri="{BB962C8B-B14F-4D97-AF65-F5344CB8AC3E}">
